--- a/PPTs/4.11-Intro_Laravel.pptx
+++ b/PPTs/4.11-Intro_Laravel.pptx
@@ -130,13 +130,18 @@
       </a:defRPr>
     </a:lvl9pPr>
   </p:defaultTextStyle>
+  <p:extLst>
+    <p:ext uri="{EFAFB233-063F-42B5-8137-9DF3F51BA10A}">
+      <p15:sldGuideLst xmlns:p15="http://schemas.microsoft.com/office/powerpoint/2012/main"/>
+    </p:ext>
+  </p:extLst>
 </p:presentation>
 </file>
 
 <file path=ppt/revisionInfo.xml><?xml version="1.0" encoding="utf-8"?>
 <p1510:revInfo xmlns:a="http://schemas.openxmlformats.org/drawingml/2006/main" xmlns:r="http://schemas.openxmlformats.org/officeDocument/2006/relationships" xmlns:p1510="http://schemas.microsoft.com/office/powerpoint/2015/10/main">
   <p1510:revLst>
-    <p1510:client id="{049F12CA-045A-4962-A3A0-D6EC619C2686}" v="6" dt="2025-04-21T19:57:30.754"/>
+    <p1510:client id="{049F12CA-045A-4962-A3A0-D6EC619C2686}" v="15" dt="2025-04-22T02:30:07.651"/>
   </p1510:revLst>
 </p1510:revInfo>
 </file>
@@ -146,10 +151,157 @@
   <pc:docChgLst>
     <pc:chgData name="Pablo Garcia" userId="45d086511dae29ac" providerId="LiveId" clId="{049F12CA-045A-4962-A3A0-D6EC619C2686}"/>
     <pc:docChg chg="undo custSel addSld modSld sldOrd">
-      <pc:chgData name="Pablo Garcia" userId="45d086511dae29ac" providerId="LiveId" clId="{049F12CA-045A-4962-A3A0-D6EC619C2686}" dt="2025-04-21T19:58:44.074" v="2108" actId="20577"/>
+      <pc:chgData name="Pablo Garcia" userId="45d086511dae29ac" providerId="LiveId" clId="{049F12CA-045A-4962-A3A0-D6EC619C2686}" dt="2025-04-22T02:30:07.651" v="2154"/>
       <pc:docMkLst>
         <pc:docMk/>
       </pc:docMkLst>
+      <pc:sldChg chg="addSp delSp modSp mod">
+        <pc:chgData name="Pablo Garcia" userId="45d086511dae29ac" providerId="LiveId" clId="{049F12CA-045A-4962-A3A0-D6EC619C2686}" dt="2025-04-22T02:30:03.160" v="2152"/>
+        <pc:sldMkLst>
+          <pc:docMk/>
+          <pc:sldMk cId="4039381978" sldId="268"/>
+        </pc:sldMkLst>
+        <pc:picChg chg="add mod">
+          <ac:chgData name="Pablo Garcia" userId="45d086511dae29ac" providerId="LiveId" clId="{049F12CA-045A-4962-A3A0-D6EC619C2686}" dt="2025-04-22T02:30:03.160" v="2152"/>
+          <ac:picMkLst>
+            <pc:docMk/>
+            <pc:sldMk cId="4039381978" sldId="268"/>
+            <ac:picMk id="2" creationId="{12C268F8-8C6D-3C0B-A03B-6F83CE3EA0D2}"/>
+          </ac:picMkLst>
+        </pc:picChg>
+        <pc:picChg chg="del">
+          <ac:chgData name="Pablo Garcia" userId="45d086511dae29ac" providerId="LiveId" clId="{049F12CA-045A-4962-A3A0-D6EC619C2686}" dt="2025-04-22T02:29:57.061" v="2151" actId="478"/>
+          <ac:picMkLst>
+            <pc:docMk/>
+            <pc:sldMk cId="4039381978" sldId="268"/>
+            <ac:picMk id="7" creationId="{E794FDB9-B26A-4B91-9F9E-82C767CB621B}"/>
+          </ac:picMkLst>
+        </pc:picChg>
+      </pc:sldChg>
+      <pc:sldChg chg="addSp delSp modSp mod">
+        <pc:chgData name="Pablo Garcia" userId="45d086511dae29ac" providerId="LiveId" clId="{049F12CA-045A-4962-A3A0-D6EC619C2686}" dt="2025-04-22T02:30:05.440" v="2153"/>
+        <pc:sldMkLst>
+          <pc:docMk/>
+          <pc:sldMk cId="2346022637" sldId="269"/>
+        </pc:sldMkLst>
+        <pc:picChg chg="add mod">
+          <ac:chgData name="Pablo Garcia" userId="45d086511dae29ac" providerId="LiveId" clId="{049F12CA-045A-4962-A3A0-D6EC619C2686}" dt="2025-04-22T02:30:05.440" v="2153"/>
+          <ac:picMkLst>
+            <pc:docMk/>
+            <pc:sldMk cId="2346022637" sldId="269"/>
+            <ac:picMk id="3" creationId="{65021DE9-6220-4E77-BA9E-13E023BF2707}"/>
+          </ac:picMkLst>
+        </pc:picChg>
+        <pc:picChg chg="del">
+          <ac:chgData name="Pablo Garcia" userId="45d086511dae29ac" providerId="LiveId" clId="{049F12CA-045A-4962-A3A0-D6EC619C2686}" dt="2025-04-22T02:29:55.150" v="2150" actId="478"/>
+          <ac:picMkLst>
+            <pc:docMk/>
+            <pc:sldMk cId="2346022637" sldId="269"/>
+            <ac:picMk id="7" creationId="{62D9203E-1C4D-1E6A-B7EB-5B1C5596C65D}"/>
+          </ac:picMkLst>
+        </pc:picChg>
+      </pc:sldChg>
+      <pc:sldChg chg="addSp delSp modSp mod">
+        <pc:chgData name="Pablo Garcia" userId="45d086511dae29ac" providerId="LiveId" clId="{049F12CA-045A-4962-A3A0-D6EC619C2686}" dt="2025-04-22T02:30:07.651" v="2154"/>
+        <pc:sldMkLst>
+          <pc:docMk/>
+          <pc:sldMk cId="3018632005" sldId="270"/>
+        </pc:sldMkLst>
+        <pc:picChg chg="add mod">
+          <ac:chgData name="Pablo Garcia" userId="45d086511dae29ac" providerId="LiveId" clId="{049F12CA-045A-4962-A3A0-D6EC619C2686}" dt="2025-04-22T02:30:07.651" v="2154"/>
+          <ac:picMkLst>
+            <pc:docMk/>
+            <pc:sldMk cId="3018632005" sldId="270"/>
+            <ac:picMk id="2" creationId="{E34C9F2D-3F91-41FB-18F5-E60C46D8DCF9}"/>
+          </ac:picMkLst>
+        </pc:picChg>
+        <pc:picChg chg="del">
+          <ac:chgData name="Pablo Garcia" userId="45d086511dae29ac" providerId="LiveId" clId="{049F12CA-045A-4962-A3A0-D6EC619C2686}" dt="2025-04-22T02:29:52.780" v="2149" actId="478"/>
+          <ac:picMkLst>
+            <pc:docMk/>
+            <pc:sldMk cId="3018632005" sldId="270"/>
+            <ac:picMk id="7" creationId="{8B0D6C69-0C50-3A04-65FE-0A5DE9451BF5}"/>
+          </ac:picMkLst>
+        </pc:picChg>
+      </pc:sldChg>
+      <pc:sldChg chg="addSp delSp modSp mod">
+        <pc:chgData name="Pablo Garcia" userId="45d086511dae29ac" providerId="LiveId" clId="{049F12CA-045A-4962-A3A0-D6EC619C2686}" dt="2025-04-22T02:29:40.181" v="2148" actId="1035"/>
+        <pc:sldMkLst>
+          <pc:docMk/>
+          <pc:sldMk cId="1940330625" sldId="273"/>
+        </pc:sldMkLst>
+        <pc:picChg chg="add mod ord">
+          <ac:chgData name="Pablo Garcia" userId="45d086511dae29ac" providerId="LiveId" clId="{049F12CA-045A-4962-A3A0-D6EC619C2686}" dt="2025-04-22T02:28:54.211" v="2116" actId="167"/>
+          <ac:picMkLst>
+            <pc:docMk/>
+            <pc:sldMk cId="1940330625" sldId="273"/>
+            <ac:picMk id="5" creationId="{63DE348B-4E81-FED0-C8CA-E4965D2EC1F8}"/>
+          </ac:picMkLst>
+        </pc:picChg>
+        <pc:picChg chg="del">
+          <ac:chgData name="Pablo Garcia" userId="45d086511dae29ac" providerId="LiveId" clId="{049F12CA-045A-4962-A3A0-D6EC619C2686}" dt="2025-04-22T02:28:37.621" v="2114" actId="478"/>
+          <ac:picMkLst>
+            <pc:docMk/>
+            <pc:sldMk cId="1940330625" sldId="273"/>
+            <ac:picMk id="7" creationId="{78106149-4A64-E4CF-97CD-B3A834BD8944}"/>
+          </ac:picMkLst>
+        </pc:picChg>
+        <pc:cxnChg chg="mod">
+          <ac:chgData name="Pablo Garcia" userId="45d086511dae29ac" providerId="LiveId" clId="{049F12CA-045A-4962-A3A0-D6EC619C2686}" dt="2025-04-22T02:29:17.016" v="2132" actId="1038"/>
+          <ac:cxnSpMkLst>
+            <pc:docMk/>
+            <pc:sldMk cId="1940330625" sldId="273"/>
+            <ac:cxnSpMk id="2" creationId="{3046EFFC-D00E-937B-02E4-12EBBFACDF37}"/>
+          </ac:cxnSpMkLst>
+        </pc:cxnChg>
+        <pc:cxnChg chg="add mod">
+          <ac:chgData name="Pablo Garcia" userId="45d086511dae29ac" providerId="LiveId" clId="{049F12CA-045A-4962-A3A0-D6EC619C2686}" dt="2025-04-22T02:29:25.031" v="2135" actId="14100"/>
+          <ac:cxnSpMkLst>
+            <pc:docMk/>
+            <pc:sldMk cId="1940330625" sldId="273"/>
+            <ac:cxnSpMk id="9" creationId="{D095862D-34C7-C36B-F309-56D7D9470C28}"/>
+          </ac:cxnSpMkLst>
+        </pc:cxnChg>
+        <pc:cxnChg chg="add mod">
+          <ac:chgData name="Pablo Garcia" userId="45d086511dae29ac" providerId="LiveId" clId="{049F12CA-045A-4962-A3A0-D6EC619C2686}" dt="2025-04-22T02:29:31.921" v="2138" actId="14100"/>
+          <ac:cxnSpMkLst>
+            <pc:docMk/>
+            <pc:sldMk cId="1940330625" sldId="273"/>
+            <ac:cxnSpMk id="11" creationId="{42FBB137-5E0C-90FC-45B0-21CB0164F20F}"/>
+          </ac:cxnSpMkLst>
+        </pc:cxnChg>
+        <pc:cxnChg chg="add mod">
+          <ac:chgData name="Pablo Garcia" userId="45d086511dae29ac" providerId="LiveId" clId="{049F12CA-045A-4962-A3A0-D6EC619C2686}" dt="2025-04-22T02:29:40.181" v="2148" actId="1035"/>
+          <ac:cxnSpMkLst>
+            <pc:docMk/>
+            <pc:sldMk cId="1940330625" sldId="273"/>
+            <ac:cxnSpMk id="13" creationId="{F175CD3D-471F-9916-8A8F-C7C64A5B456D}"/>
+          </ac:cxnSpMkLst>
+        </pc:cxnChg>
+      </pc:sldChg>
+      <pc:sldChg chg="addSp delSp modSp mod">
+        <pc:chgData name="Pablo Garcia" userId="45d086511dae29ac" providerId="LiveId" clId="{049F12CA-045A-4962-A3A0-D6EC619C2686}" dt="2025-04-22T02:28:57.471" v="2117"/>
+        <pc:sldMkLst>
+          <pc:docMk/>
+          <pc:sldMk cId="280808433" sldId="274"/>
+        </pc:sldMkLst>
+        <pc:picChg chg="add mod">
+          <ac:chgData name="Pablo Garcia" userId="45d086511dae29ac" providerId="LiveId" clId="{049F12CA-045A-4962-A3A0-D6EC619C2686}" dt="2025-04-22T02:28:57.471" v="2117"/>
+          <ac:picMkLst>
+            <pc:docMk/>
+            <pc:sldMk cId="280808433" sldId="274"/>
+            <ac:picMk id="3" creationId="{B101A2C0-36E2-CCB5-F461-6A8D471E8F7C}"/>
+          </ac:picMkLst>
+        </pc:picChg>
+        <pc:picChg chg="del">
+          <ac:chgData name="Pablo Garcia" userId="45d086511dae29ac" providerId="LiveId" clId="{049F12CA-045A-4962-A3A0-D6EC619C2686}" dt="2025-04-22T02:28:34.506" v="2113" actId="478"/>
+          <ac:picMkLst>
+            <pc:docMk/>
+            <pc:sldMk cId="280808433" sldId="274"/>
+            <ac:picMk id="7" creationId="{8D1AE1F4-C6DF-B8B4-AC80-2ECCBCDB5EA3}"/>
+          </ac:picMkLst>
+        </pc:picChg>
+      </pc:sldChg>
       <pc:sldChg chg="addSp delSp modSp add mod">
         <pc:chgData name="Pablo Garcia" userId="45d086511dae29ac" providerId="LiveId" clId="{049F12CA-045A-4962-A3A0-D6EC619C2686}" dt="2025-04-21T19:23:03.493" v="148" actId="14100"/>
         <pc:sldMkLst>
@@ -214,7 +366,7 @@
         </pc:cxnChg>
       </pc:sldChg>
       <pc:sldChg chg="addSp delSp modSp add mod">
-        <pc:chgData name="Pablo Garcia" userId="45d086511dae29ac" providerId="LiveId" clId="{049F12CA-045A-4962-A3A0-D6EC619C2686}" dt="2025-04-21T19:27:51.853" v="562" actId="113"/>
+        <pc:chgData name="Pablo Garcia" userId="45d086511dae29ac" providerId="LiveId" clId="{049F12CA-045A-4962-A3A0-D6EC619C2686}" dt="2025-04-22T02:29:00.971" v="2118"/>
         <pc:sldMkLst>
           <pc:docMk/>
           <pc:sldMk cId="3274388616" sldId="276"/>
@@ -227,6 +379,22 @@
             <ac:spMk id="16" creationId="{73A69D14-DC96-4500-7FD8-66479F5B5E81}"/>
           </ac:spMkLst>
         </pc:spChg>
+        <pc:picChg chg="add mod">
+          <ac:chgData name="Pablo Garcia" userId="45d086511dae29ac" providerId="LiveId" clId="{049F12CA-045A-4962-A3A0-D6EC619C2686}" dt="2025-04-22T02:29:00.971" v="2118"/>
+          <ac:picMkLst>
+            <pc:docMk/>
+            <pc:sldMk cId="3274388616" sldId="276"/>
+            <ac:picMk id="3" creationId="{900693EB-FE9C-A55C-22EC-C64D69937E26}"/>
+          </ac:picMkLst>
+        </pc:picChg>
+        <pc:picChg chg="del">
+          <ac:chgData name="Pablo Garcia" userId="45d086511dae29ac" providerId="LiveId" clId="{049F12CA-045A-4962-A3A0-D6EC619C2686}" dt="2025-04-22T02:28:28.800" v="2112" actId="478"/>
+          <ac:picMkLst>
+            <pc:docMk/>
+            <pc:sldMk cId="3274388616" sldId="276"/>
+            <ac:picMk id="7" creationId="{06B9C6C0-53AE-F2D9-2CA7-7748EBFE346F}"/>
+          </ac:picMkLst>
+        </pc:picChg>
         <pc:cxnChg chg="add mod">
           <ac:chgData name="Pablo Garcia" userId="45d086511dae29ac" providerId="LiveId" clId="{049F12CA-045A-4962-A3A0-D6EC619C2686}" dt="2025-04-21T19:24:21.393" v="191" actId="1035"/>
           <ac:cxnSpMkLst>
@@ -410,13 +578,13 @@
         </pc:cxnChg>
       </pc:sldChg>
       <pc:sldChg chg="addSp delSp modSp add mod">
-        <pc:chgData name="Pablo Garcia" userId="45d086511dae29ac" providerId="LiveId" clId="{049F12CA-045A-4962-A3A0-D6EC619C2686}" dt="2025-04-21T19:46:22.283" v="1449" actId="113"/>
+        <pc:chgData name="Pablo Garcia" userId="45d086511dae29ac" providerId="LiveId" clId="{049F12CA-045A-4962-A3A0-D6EC619C2686}" dt="2025-04-22T02:28:11.181" v="2111" actId="14100"/>
         <pc:sldMkLst>
           <pc:docMk/>
           <pc:sldMk cId="2118981089" sldId="280"/>
         </pc:sldMkLst>
         <pc:spChg chg="mod">
-          <ac:chgData name="Pablo Garcia" userId="45d086511dae29ac" providerId="LiveId" clId="{049F12CA-045A-4962-A3A0-D6EC619C2686}" dt="2025-04-21T19:45:28.073" v="1342" actId="20577"/>
+          <ac:chgData name="Pablo Garcia" userId="45d086511dae29ac" providerId="LiveId" clId="{049F12CA-045A-4962-A3A0-D6EC619C2686}" dt="2025-04-22T02:28:11.181" v="2111" actId="14100"/>
           <ac:spMkLst>
             <pc:docMk/>
             <pc:sldMk cId="2118981089" sldId="280"/>
@@ -512,13 +680,13 @@
         </pc:cxnChg>
       </pc:sldChg>
       <pc:sldChg chg="addSp delSp modSp add mod">
-        <pc:chgData name="Pablo Garcia" userId="45d086511dae29ac" providerId="LiveId" clId="{049F12CA-045A-4962-A3A0-D6EC619C2686}" dt="2025-04-21T19:55:55.624" v="1976" actId="20577"/>
+        <pc:chgData name="Pablo Garcia" userId="45d086511dae29ac" providerId="LiveId" clId="{049F12CA-045A-4962-A3A0-D6EC619C2686}" dt="2025-04-22T02:27:56.855" v="2110" actId="20577"/>
         <pc:sldMkLst>
           <pc:docMk/>
           <pc:sldMk cId="1295827785" sldId="282"/>
         </pc:sldMkLst>
         <pc:spChg chg="mod">
-          <ac:chgData name="Pablo Garcia" userId="45d086511dae29ac" providerId="LiveId" clId="{049F12CA-045A-4962-A3A0-D6EC619C2686}" dt="2025-04-21T19:52:04.518" v="1903" actId="14100"/>
+          <ac:chgData name="Pablo Garcia" userId="45d086511dae29ac" providerId="LiveId" clId="{049F12CA-045A-4962-A3A0-D6EC619C2686}" dt="2025-04-22T02:27:56.855" v="2110" actId="20577"/>
           <ac:spMkLst>
             <pc:docMk/>
             <pc:sldMk cId="1295827785" sldId="282"/>
@@ -860,13 +1028,13 @@
   <p:clrMapOvr>
     <a:masterClrMapping/>
   </p:clrMapOvr>
-  <mc:AlternateContent xmlns:mc="http://schemas.openxmlformats.org/markup-compatibility/2006">
-    <mc:Choice xmlns:p159="http://schemas.microsoft.com/office/powerpoint/2015/09/main" Requires="p159">
+  <mc:AlternateContent xmlns:mc="http://schemas.openxmlformats.org/markup-compatibility/2006" xmlns:p159="http://schemas.microsoft.com/office/powerpoint/2015/09/main">
+    <mc:Choice Requires="p159">
       <p:transition spd="slow">
         <p159:morph option="byObject"/>
       </p:transition>
     </mc:Choice>
-    <mc:Fallback>
+    <mc:Fallback xmlns="">
       <p:transition spd="slow">
         <p:fade/>
       </p:transition>
@@ -1072,13 +1240,13 @@
   <p:clrMapOvr>
     <a:masterClrMapping/>
   </p:clrMapOvr>
-  <mc:AlternateContent xmlns:mc="http://schemas.openxmlformats.org/markup-compatibility/2006">
-    <mc:Choice xmlns:p159="http://schemas.microsoft.com/office/powerpoint/2015/09/main" Requires="p159">
+  <mc:AlternateContent xmlns:mc="http://schemas.openxmlformats.org/markup-compatibility/2006" xmlns:p159="http://schemas.microsoft.com/office/powerpoint/2015/09/main">
+    <mc:Choice Requires="p159">
       <p:transition spd="slow">
         <p159:morph option="byObject"/>
       </p:transition>
     </mc:Choice>
-    <mc:Fallback>
+    <mc:Fallback xmlns="">
       <p:transition spd="slow">
         <p:fade/>
       </p:transition>
@@ -1294,13 +1462,13 @@
   <p:clrMapOvr>
     <a:masterClrMapping/>
   </p:clrMapOvr>
-  <mc:AlternateContent xmlns:mc="http://schemas.openxmlformats.org/markup-compatibility/2006">
-    <mc:Choice xmlns:p159="http://schemas.microsoft.com/office/powerpoint/2015/09/main" Requires="p159">
+  <mc:AlternateContent xmlns:mc="http://schemas.openxmlformats.org/markup-compatibility/2006" xmlns:p159="http://schemas.microsoft.com/office/powerpoint/2015/09/main">
+    <mc:Choice Requires="p159">
       <p:transition spd="slow">
         <p159:morph option="byObject"/>
       </p:transition>
     </mc:Choice>
-    <mc:Fallback>
+    <mc:Fallback xmlns="">
       <p:transition spd="slow">
         <p:fade/>
       </p:transition>
@@ -1506,13 +1674,13 @@
   <p:clrMapOvr>
     <a:masterClrMapping/>
   </p:clrMapOvr>
-  <mc:AlternateContent xmlns:mc="http://schemas.openxmlformats.org/markup-compatibility/2006">
-    <mc:Choice xmlns:p159="http://schemas.microsoft.com/office/powerpoint/2015/09/main" Requires="p159">
+  <mc:AlternateContent xmlns:mc="http://schemas.openxmlformats.org/markup-compatibility/2006" xmlns:p159="http://schemas.microsoft.com/office/powerpoint/2015/09/main">
+    <mc:Choice Requires="p159">
       <p:transition spd="slow">
         <p159:morph option="byObject"/>
       </p:transition>
     </mc:Choice>
-    <mc:Fallback>
+    <mc:Fallback xmlns="">
       <p:transition spd="slow">
         <p:fade/>
       </p:transition>
@@ -1794,13 +1962,13 @@
   <p:clrMapOvr>
     <a:masterClrMapping/>
   </p:clrMapOvr>
-  <mc:AlternateContent xmlns:mc="http://schemas.openxmlformats.org/markup-compatibility/2006">
-    <mc:Choice xmlns:p159="http://schemas.microsoft.com/office/powerpoint/2015/09/main" Requires="p159">
+  <mc:AlternateContent xmlns:mc="http://schemas.openxmlformats.org/markup-compatibility/2006" xmlns:p159="http://schemas.microsoft.com/office/powerpoint/2015/09/main">
+    <mc:Choice Requires="p159">
       <p:transition spd="slow">
         <p159:morph option="byObject"/>
       </p:transition>
     </mc:Choice>
-    <mc:Fallback>
+    <mc:Fallback xmlns="">
       <p:transition spd="slow">
         <p:fade/>
       </p:transition>
@@ -2074,13 +2242,13 @@
   <p:clrMapOvr>
     <a:masterClrMapping/>
   </p:clrMapOvr>
-  <mc:AlternateContent xmlns:mc="http://schemas.openxmlformats.org/markup-compatibility/2006">
-    <mc:Choice xmlns:p159="http://schemas.microsoft.com/office/powerpoint/2015/09/main" Requires="p159">
+  <mc:AlternateContent xmlns:mc="http://schemas.openxmlformats.org/markup-compatibility/2006" xmlns:p159="http://schemas.microsoft.com/office/powerpoint/2015/09/main">
+    <mc:Choice Requires="p159">
       <p:transition spd="slow">
         <p159:morph option="byObject"/>
       </p:transition>
     </mc:Choice>
-    <mc:Fallback>
+    <mc:Fallback xmlns="">
       <p:transition spd="slow">
         <p:fade/>
       </p:transition>
@@ -2501,13 +2669,13 @@
   <p:clrMapOvr>
     <a:masterClrMapping/>
   </p:clrMapOvr>
-  <mc:AlternateContent xmlns:mc="http://schemas.openxmlformats.org/markup-compatibility/2006">
-    <mc:Choice xmlns:p159="http://schemas.microsoft.com/office/powerpoint/2015/09/main" Requires="p159">
+  <mc:AlternateContent xmlns:mc="http://schemas.openxmlformats.org/markup-compatibility/2006" xmlns:p159="http://schemas.microsoft.com/office/powerpoint/2015/09/main">
+    <mc:Choice Requires="p159">
       <p:transition spd="slow">
         <p159:morph option="byObject"/>
       </p:transition>
     </mc:Choice>
-    <mc:Fallback>
+    <mc:Fallback xmlns="">
       <p:transition spd="slow">
         <p:fade/>
       </p:transition>
@@ -2655,13 +2823,13 @@
   <p:clrMapOvr>
     <a:masterClrMapping/>
   </p:clrMapOvr>
-  <mc:AlternateContent xmlns:mc="http://schemas.openxmlformats.org/markup-compatibility/2006">
-    <mc:Choice xmlns:p159="http://schemas.microsoft.com/office/powerpoint/2015/09/main" Requires="p159">
+  <mc:AlternateContent xmlns:mc="http://schemas.openxmlformats.org/markup-compatibility/2006" xmlns:p159="http://schemas.microsoft.com/office/powerpoint/2015/09/main">
+    <mc:Choice Requires="p159">
       <p:transition spd="slow">
         <p159:morph option="byObject"/>
       </p:transition>
     </mc:Choice>
-    <mc:Fallback>
+    <mc:Fallback xmlns="">
       <p:transition spd="slow">
         <p:fade/>
       </p:transition>
@@ -2780,13 +2948,13 @@
   <p:clrMapOvr>
     <a:masterClrMapping/>
   </p:clrMapOvr>
-  <mc:AlternateContent xmlns:mc="http://schemas.openxmlformats.org/markup-compatibility/2006">
-    <mc:Choice xmlns:p159="http://schemas.microsoft.com/office/powerpoint/2015/09/main" Requires="p159">
+  <mc:AlternateContent xmlns:mc="http://schemas.openxmlformats.org/markup-compatibility/2006" xmlns:p159="http://schemas.microsoft.com/office/powerpoint/2015/09/main">
+    <mc:Choice Requires="p159">
       <p:transition spd="slow">
         <p159:morph option="byObject"/>
       </p:transition>
     </mc:Choice>
-    <mc:Fallback>
+    <mc:Fallback xmlns="">
       <p:transition spd="slow">
         <p:fade/>
       </p:transition>
@@ -3105,13 +3273,13 @@
   <p:clrMapOvr>
     <a:masterClrMapping/>
   </p:clrMapOvr>
-  <mc:AlternateContent xmlns:mc="http://schemas.openxmlformats.org/markup-compatibility/2006">
-    <mc:Choice xmlns:p159="http://schemas.microsoft.com/office/powerpoint/2015/09/main" Requires="p159">
+  <mc:AlternateContent xmlns:mc="http://schemas.openxmlformats.org/markup-compatibility/2006" xmlns:p159="http://schemas.microsoft.com/office/powerpoint/2015/09/main">
+    <mc:Choice Requires="p159">
       <p:transition spd="slow">
         <p159:morph option="byObject"/>
       </p:transition>
     </mc:Choice>
-    <mc:Fallback>
+    <mc:Fallback xmlns="">
       <p:transition spd="slow">
         <p:fade/>
       </p:transition>
@@ -3406,13 +3574,13 @@
   <p:clrMapOvr>
     <a:masterClrMapping/>
   </p:clrMapOvr>
-  <mc:AlternateContent xmlns:mc="http://schemas.openxmlformats.org/markup-compatibility/2006">
-    <mc:Choice xmlns:p159="http://schemas.microsoft.com/office/powerpoint/2015/09/main" Requires="p159">
+  <mc:AlternateContent xmlns:mc="http://schemas.openxmlformats.org/markup-compatibility/2006" xmlns:p159="http://schemas.microsoft.com/office/powerpoint/2015/09/main">
+    <mc:Choice Requires="p159">
       <p:transition spd="slow">
         <p159:morph option="byObject"/>
       </p:transition>
     </mc:Choice>
-    <mc:Fallback>
+    <mc:Fallback xmlns="">
       <p:transition spd="slow">
         <p:fade/>
       </p:transition>
@@ -3708,13 +3876,13 @@
     <p:sldLayoutId id="2147483658" r:id="rId10"/>
     <p:sldLayoutId id="2147483659" r:id="rId11"/>
   </p:sldLayoutIdLst>
-  <mc:AlternateContent xmlns:mc="http://schemas.openxmlformats.org/markup-compatibility/2006">
-    <mc:Choice xmlns:p159="http://schemas.microsoft.com/office/powerpoint/2015/09/main" Requires="p159">
+  <mc:AlternateContent xmlns:mc="http://schemas.openxmlformats.org/markup-compatibility/2006" xmlns:p159="http://schemas.microsoft.com/office/powerpoint/2015/09/main">
+    <mc:Choice Requires="p159">
       <p:transition spd="slow">
         <p159:morph option="byObject"/>
       </p:transition>
     </mc:Choice>
-    <mc:Fallback>
+    <mc:Fallback xmlns="">
       <p:transition spd="slow">
         <p:fade/>
       </p:transition>
@@ -4266,13 +4434,13 @@
   <p:clrMapOvr>
     <a:masterClrMapping/>
   </p:clrMapOvr>
-  <mc:AlternateContent xmlns:mc="http://schemas.openxmlformats.org/markup-compatibility/2006">
-    <mc:Choice xmlns:p159="http://schemas.microsoft.com/office/powerpoint/2015/09/main" Requires="p159">
+  <mc:AlternateContent xmlns:mc="http://schemas.openxmlformats.org/markup-compatibility/2006" xmlns:p159="http://schemas.microsoft.com/office/powerpoint/2015/09/main">
+    <mc:Choice Requires="p159">
       <p:transition spd="slow">
         <p159:morph option="byObject"/>
       </p:transition>
     </mc:Choice>
-    <mc:Fallback>
+    <mc:Fallback xmlns="">
       <p:transition spd="slow">
         <p:fade/>
       </p:transition>
@@ -4789,13 +4957,13 @@
   <p:clrMapOvr>
     <a:masterClrMapping/>
   </p:clrMapOvr>
-  <mc:AlternateContent xmlns:mc="http://schemas.openxmlformats.org/markup-compatibility/2006">
-    <mc:Choice xmlns:p159="http://schemas.microsoft.com/office/powerpoint/2015/09/main" Requires="p159">
+  <mc:AlternateContent xmlns:mc="http://schemas.openxmlformats.org/markup-compatibility/2006" xmlns:p159="http://schemas.microsoft.com/office/powerpoint/2015/09/main">
+    <mc:Choice Requires="p159">
       <p:transition spd="slow">
         <p159:morph option="byObject"/>
       </p:transition>
     </mc:Choice>
-    <mc:Fallback>
+    <mc:Fallback xmlns="">
       <p:transition spd="slow">
         <p:fade/>
       </p:transition>
@@ -5347,13 +5515,13 @@
   <p:clrMapOvr>
     <a:masterClrMapping/>
   </p:clrMapOvr>
-  <mc:AlternateContent xmlns:mc="http://schemas.openxmlformats.org/markup-compatibility/2006">
-    <mc:Choice xmlns:p159="http://schemas.microsoft.com/office/powerpoint/2015/09/main" Requires="p159">
+  <mc:AlternateContent xmlns:mc="http://schemas.openxmlformats.org/markup-compatibility/2006" xmlns:p159="http://schemas.microsoft.com/office/powerpoint/2015/09/main">
+    <mc:Choice Requires="p159">
       <p:transition spd="slow">
         <p159:morph option="byObject"/>
       </p:transition>
     </mc:Choice>
-    <mc:Fallback>
+    <mc:Fallback xmlns="">
       <p:transition spd="slow">
         <p:fade/>
       </p:transition>
@@ -5517,55 +5685,20 @@
       </p:sp>
       <p:pic>
         <p:nvPicPr>
-          <p:cNvPr id="7" name="Picture 6" descr="A blue and orange logo">
-            <a:extLst>
-              <a:ext uri="{FF2B5EF4-FFF2-40B4-BE49-F238E27FC236}">
-                <a16:creationId xmlns:a16="http://schemas.microsoft.com/office/drawing/2014/main" id="{E794FDB9-B26A-4B91-9F9E-82C767CB621B}"/>
+          <p:cNvPr id="1026" name="Picture 2" descr="Logo Laravel – Logos PNG">
+            <a:extLst>
+              <a:ext uri="{FF2B5EF4-FFF2-40B4-BE49-F238E27FC236}">
+                <a16:creationId xmlns:a16="http://schemas.microsoft.com/office/drawing/2014/main" id="{47DE6685-BCEE-C15A-2BA5-988F0A4C4D18}"/>
               </a:ext>
             </a:extLst>
           </p:cNvPr>
           <p:cNvPicPr>
-            <a:picLocks noChangeAspect="1"/>
+            <a:picLocks noChangeAspect="1" noChangeArrowheads="1"/>
           </p:cNvPicPr>
           <p:nvPr/>
         </p:nvPicPr>
         <p:blipFill>
           <a:blip r:embed="rId3">
-            <a:extLst>
-              <a:ext uri="{28A0092B-C50C-407E-A947-70E740481C1C}">
-                <a14:useLocalDpi xmlns:a14="http://schemas.microsoft.com/office/drawing/2010/main" val="0"/>
-              </a:ext>
-            </a:extLst>
-          </a:blip>
-          <a:srcRect r="40990"/>
-          <a:stretch/>
-        </p:blipFill>
-        <p:spPr>
-          <a:xfrm>
-            <a:off x="9232015" y="5549551"/>
-            <a:ext cx="1429966" cy="986828"/>
-          </a:xfrm>
-          <a:prstGeom prst="rect">
-            <a:avLst/>
-          </a:prstGeom>
-        </p:spPr>
-      </p:pic>
-      <p:pic>
-        <p:nvPicPr>
-          <p:cNvPr id="1026" name="Picture 2" descr="Logo Laravel – Logos PNG">
-            <a:extLst>
-              <a:ext uri="{FF2B5EF4-FFF2-40B4-BE49-F238E27FC236}">
-                <a16:creationId xmlns:a16="http://schemas.microsoft.com/office/drawing/2014/main" id="{47DE6685-BCEE-C15A-2BA5-988F0A4C4D18}"/>
-              </a:ext>
-            </a:extLst>
-          </p:cNvPr>
-          <p:cNvPicPr>
-            <a:picLocks noChangeAspect="1" noChangeArrowheads="1"/>
-          </p:cNvPicPr>
-          <p:nvPr/>
-        </p:nvPicPr>
-        <p:blipFill>
-          <a:blip r:embed="rId4">
             <a:extLst>
               <a:ext uri="{28A0092B-C50C-407E-A947-70E740481C1C}">
                 <a14:useLocalDpi xmlns:a14="http://schemas.microsoft.com/office/drawing/2010/main" val="0"/>
@@ -5612,7 +5745,7 @@
           <p:nvPr/>
         </p:nvPicPr>
         <p:blipFill>
-          <a:blip r:embed="rId5"/>
+          <a:blip r:embed="rId4"/>
           <a:stretch>
             <a:fillRect/>
           </a:stretch>
@@ -5803,6 +5936,41 @@
           </a:fontRef>
         </p:style>
       </p:cxnSp>
+      <p:pic>
+        <p:nvPicPr>
+          <p:cNvPr id="2" name="Picture 1" descr="A blue and orange logo">
+            <a:extLst>
+              <a:ext uri="{FF2B5EF4-FFF2-40B4-BE49-F238E27FC236}">
+                <a16:creationId xmlns:a16="http://schemas.microsoft.com/office/drawing/2014/main" id="{12C268F8-8C6D-3C0B-A03B-6F83CE3EA0D2}"/>
+              </a:ext>
+            </a:extLst>
+          </p:cNvPr>
+          <p:cNvPicPr>
+            <a:picLocks noChangeAspect="1"/>
+          </p:cNvPicPr>
+          <p:nvPr/>
+        </p:nvPicPr>
+        <p:blipFill>
+          <a:blip r:embed="rId5">
+            <a:extLst>
+              <a:ext uri="{28A0092B-C50C-407E-A947-70E740481C1C}">
+                <a14:useLocalDpi xmlns:a14="http://schemas.microsoft.com/office/drawing/2010/main" val="0"/>
+              </a:ext>
+            </a:extLst>
+          </a:blip>
+          <a:srcRect r="40990"/>
+          <a:stretch/>
+        </p:blipFill>
+        <p:spPr>
+          <a:xfrm>
+            <a:off x="10762034" y="0"/>
+            <a:ext cx="1429966" cy="986828"/>
+          </a:xfrm>
+          <a:prstGeom prst="rect">
+            <a:avLst/>
+          </a:prstGeom>
+        </p:spPr>
+      </p:pic>
     </p:spTree>
     <p:extLst>
       <p:ext uri="{BB962C8B-B14F-4D97-AF65-F5344CB8AC3E}">
@@ -5813,13 +5981,13 @@
   <p:clrMapOvr>
     <a:masterClrMapping/>
   </p:clrMapOvr>
-  <mc:AlternateContent xmlns:mc="http://schemas.openxmlformats.org/markup-compatibility/2006">
-    <mc:Choice xmlns:p159="http://schemas.microsoft.com/office/powerpoint/2015/09/main" Requires="p159">
+  <mc:AlternateContent xmlns:mc="http://schemas.openxmlformats.org/markup-compatibility/2006" xmlns:p159="http://schemas.microsoft.com/office/powerpoint/2015/09/main">
+    <mc:Choice Requires="p159">
       <p:transition spd="slow">
         <p159:morph option="byObject"/>
       </p:transition>
     </mc:Choice>
-    <mc:Fallback>
+    <mc:Fallback xmlns="">
       <p:transition spd="slow">
         <p:fade/>
       </p:transition>
@@ -5984,55 +6152,20 @@
       </p:sp>
       <p:pic>
         <p:nvPicPr>
-          <p:cNvPr id="7" name="Picture 6" descr="A blue and orange logo">
-            <a:extLst>
-              <a:ext uri="{FF2B5EF4-FFF2-40B4-BE49-F238E27FC236}">
-                <a16:creationId xmlns:a16="http://schemas.microsoft.com/office/drawing/2014/main" id="{62D9203E-1C4D-1E6A-B7EB-5B1C5596C65D}"/>
+          <p:cNvPr id="1026" name="Picture 2" descr="Logo Laravel – Logos PNG">
+            <a:extLst>
+              <a:ext uri="{FF2B5EF4-FFF2-40B4-BE49-F238E27FC236}">
+                <a16:creationId xmlns:a16="http://schemas.microsoft.com/office/drawing/2014/main" id="{C85D6289-F6F4-148F-6CE0-62273AFEE92B}"/>
               </a:ext>
             </a:extLst>
           </p:cNvPr>
           <p:cNvPicPr>
-            <a:picLocks noChangeAspect="1"/>
+            <a:picLocks noChangeAspect="1" noChangeArrowheads="1"/>
           </p:cNvPicPr>
           <p:nvPr/>
         </p:nvPicPr>
         <p:blipFill>
           <a:blip r:embed="rId3">
-            <a:extLst>
-              <a:ext uri="{28A0092B-C50C-407E-A947-70E740481C1C}">
-                <a14:useLocalDpi xmlns:a14="http://schemas.microsoft.com/office/drawing/2010/main" val="0"/>
-              </a:ext>
-            </a:extLst>
-          </a:blip>
-          <a:srcRect r="40990"/>
-          <a:stretch/>
-        </p:blipFill>
-        <p:spPr>
-          <a:xfrm>
-            <a:off x="9232015" y="5549551"/>
-            <a:ext cx="1429966" cy="986828"/>
-          </a:xfrm>
-          <a:prstGeom prst="rect">
-            <a:avLst/>
-          </a:prstGeom>
-        </p:spPr>
-      </p:pic>
-      <p:pic>
-        <p:nvPicPr>
-          <p:cNvPr id="1026" name="Picture 2" descr="Logo Laravel – Logos PNG">
-            <a:extLst>
-              <a:ext uri="{FF2B5EF4-FFF2-40B4-BE49-F238E27FC236}">
-                <a16:creationId xmlns:a16="http://schemas.microsoft.com/office/drawing/2014/main" id="{C85D6289-F6F4-148F-6CE0-62273AFEE92B}"/>
-              </a:ext>
-            </a:extLst>
-          </p:cNvPr>
-          <p:cNvPicPr>
-            <a:picLocks noChangeAspect="1" noChangeArrowheads="1"/>
-          </p:cNvPicPr>
-          <p:nvPr/>
-        </p:nvPicPr>
-        <p:blipFill>
-          <a:blip r:embed="rId4">
             <a:extLst>
               <a:ext uri="{28A0092B-C50C-407E-A947-70E740481C1C}">
                 <a14:useLocalDpi xmlns:a14="http://schemas.microsoft.com/office/drawing/2010/main" val="0"/>
@@ -6251,7 +6384,7 @@
           <p:nvPr/>
         </p:nvPicPr>
         <p:blipFill>
-          <a:blip r:embed="rId5"/>
+          <a:blip r:embed="rId4"/>
           <a:srcRect b="4787"/>
           <a:stretch/>
         </p:blipFill>
@@ -6355,6 +6488,41 @@
           </a:fontRef>
         </p:style>
       </p:cxnSp>
+      <p:pic>
+        <p:nvPicPr>
+          <p:cNvPr id="3" name="Picture 2" descr="A blue and orange logo">
+            <a:extLst>
+              <a:ext uri="{FF2B5EF4-FFF2-40B4-BE49-F238E27FC236}">
+                <a16:creationId xmlns:a16="http://schemas.microsoft.com/office/drawing/2014/main" id="{65021DE9-6220-4E77-BA9E-13E023BF2707}"/>
+              </a:ext>
+            </a:extLst>
+          </p:cNvPr>
+          <p:cNvPicPr>
+            <a:picLocks noChangeAspect="1"/>
+          </p:cNvPicPr>
+          <p:nvPr/>
+        </p:nvPicPr>
+        <p:blipFill>
+          <a:blip r:embed="rId5">
+            <a:extLst>
+              <a:ext uri="{28A0092B-C50C-407E-A947-70E740481C1C}">
+                <a14:useLocalDpi xmlns:a14="http://schemas.microsoft.com/office/drawing/2010/main" val="0"/>
+              </a:ext>
+            </a:extLst>
+          </a:blip>
+          <a:srcRect r="40990"/>
+          <a:stretch/>
+        </p:blipFill>
+        <p:spPr>
+          <a:xfrm>
+            <a:off x="10762034" y="0"/>
+            <a:ext cx="1429966" cy="986828"/>
+          </a:xfrm>
+          <a:prstGeom prst="rect">
+            <a:avLst/>
+          </a:prstGeom>
+        </p:spPr>
+      </p:pic>
     </p:spTree>
     <p:extLst>
       <p:ext uri="{BB962C8B-B14F-4D97-AF65-F5344CB8AC3E}">
@@ -6365,13 +6533,13 @@
   <p:clrMapOvr>
     <a:masterClrMapping/>
   </p:clrMapOvr>
-  <mc:AlternateContent xmlns:mc="http://schemas.openxmlformats.org/markup-compatibility/2006">
-    <mc:Choice xmlns:p159="http://schemas.microsoft.com/office/powerpoint/2015/09/main" Requires="p159">
+  <mc:AlternateContent xmlns:mc="http://schemas.openxmlformats.org/markup-compatibility/2006" xmlns:p159="http://schemas.microsoft.com/office/powerpoint/2015/09/main">
+    <mc:Choice Requires="p159">
       <p:transition spd="slow">
         <p159:morph option="byObject"/>
       </p:transition>
     </mc:Choice>
-    <mc:Fallback>
+    <mc:Fallback xmlns="">
       <p:transition spd="slow">
         <p:fade/>
       </p:transition>
@@ -6501,55 +6669,20 @@
       </p:sp>
       <p:pic>
         <p:nvPicPr>
-          <p:cNvPr id="7" name="Picture 6" descr="A blue and orange logo">
-            <a:extLst>
-              <a:ext uri="{FF2B5EF4-FFF2-40B4-BE49-F238E27FC236}">
-                <a16:creationId xmlns:a16="http://schemas.microsoft.com/office/drawing/2014/main" id="{8B0D6C69-0C50-3A04-65FE-0A5DE9451BF5}"/>
+          <p:cNvPr id="1026" name="Picture 2" descr="Logo Laravel – Logos PNG">
+            <a:extLst>
+              <a:ext uri="{FF2B5EF4-FFF2-40B4-BE49-F238E27FC236}">
+                <a16:creationId xmlns:a16="http://schemas.microsoft.com/office/drawing/2014/main" id="{62C60C89-63E0-8B04-0E62-1BDDFF9C9F13}"/>
               </a:ext>
             </a:extLst>
           </p:cNvPr>
           <p:cNvPicPr>
-            <a:picLocks noChangeAspect="1"/>
+            <a:picLocks noChangeAspect="1" noChangeArrowheads="1"/>
           </p:cNvPicPr>
           <p:nvPr/>
         </p:nvPicPr>
         <p:blipFill>
           <a:blip r:embed="rId2">
-            <a:extLst>
-              <a:ext uri="{28A0092B-C50C-407E-A947-70E740481C1C}">
-                <a14:useLocalDpi xmlns:a14="http://schemas.microsoft.com/office/drawing/2010/main" val="0"/>
-              </a:ext>
-            </a:extLst>
-          </a:blip>
-          <a:srcRect r="40990"/>
-          <a:stretch/>
-        </p:blipFill>
-        <p:spPr>
-          <a:xfrm>
-            <a:off x="9232015" y="5549551"/>
-            <a:ext cx="1429966" cy="986828"/>
-          </a:xfrm>
-          <a:prstGeom prst="rect">
-            <a:avLst/>
-          </a:prstGeom>
-        </p:spPr>
-      </p:pic>
-      <p:pic>
-        <p:nvPicPr>
-          <p:cNvPr id="1026" name="Picture 2" descr="Logo Laravel – Logos PNG">
-            <a:extLst>
-              <a:ext uri="{FF2B5EF4-FFF2-40B4-BE49-F238E27FC236}">
-                <a16:creationId xmlns:a16="http://schemas.microsoft.com/office/drawing/2014/main" id="{62C60C89-63E0-8B04-0E62-1BDDFF9C9F13}"/>
-              </a:ext>
-            </a:extLst>
-          </p:cNvPr>
-          <p:cNvPicPr>
-            <a:picLocks noChangeAspect="1" noChangeArrowheads="1"/>
-          </p:cNvPicPr>
-          <p:nvPr/>
-        </p:nvPicPr>
-        <p:blipFill>
-          <a:blip r:embed="rId3">
             <a:extLst>
               <a:ext uri="{28A0092B-C50C-407E-A947-70E740481C1C}">
                 <a14:useLocalDpi xmlns:a14="http://schemas.microsoft.com/office/drawing/2010/main" val="0"/>
@@ -6682,7 +6815,7 @@
           <p:nvPr/>
         </p:nvPicPr>
         <p:blipFill>
-          <a:blip r:embed="rId4"/>
+          <a:blip r:embed="rId3"/>
           <a:srcRect b="4787"/>
           <a:stretch/>
         </p:blipFill>
@@ -6716,7 +6849,7 @@
           <p:nvPr/>
         </p:nvPicPr>
         <p:blipFill>
-          <a:blip r:embed="rId5"/>
+          <a:blip r:embed="rId4"/>
           <a:stretch>
             <a:fillRect/>
           </a:stretch>
@@ -6821,6 +6954,41 @@
           </a:fontRef>
         </p:style>
       </p:cxnSp>
+      <p:pic>
+        <p:nvPicPr>
+          <p:cNvPr id="2" name="Picture 1" descr="A blue and orange logo">
+            <a:extLst>
+              <a:ext uri="{FF2B5EF4-FFF2-40B4-BE49-F238E27FC236}">
+                <a16:creationId xmlns:a16="http://schemas.microsoft.com/office/drawing/2014/main" id="{E34C9F2D-3F91-41FB-18F5-E60C46D8DCF9}"/>
+              </a:ext>
+            </a:extLst>
+          </p:cNvPr>
+          <p:cNvPicPr>
+            <a:picLocks noChangeAspect="1"/>
+          </p:cNvPicPr>
+          <p:nvPr/>
+        </p:nvPicPr>
+        <p:blipFill>
+          <a:blip r:embed="rId5">
+            <a:extLst>
+              <a:ext uri="{28A0092B-C50C-407E-A947-70E740481C1C}">
+                <a14:useLocalDpi xmlns:a14="http://schemas.microsoft.com/office/drawing/2010/main" val="0"/>
+              </a:ext>
+            </a:extLst>
+          </a:blip>
+          <a:srcRect r="40990"/>
+          <a:stretch/>
+        </p:blipFill>
+        <p:spPr>
+          <a:xfrm>
+            <a:off x="10762034" y="0"/>
+            <a:ext cx="1429966" cy="986828"/>
+          </a:xfrm>
+          <a:prstGeom prst="rect">
+            <a:avLst/>
+          </a:prstGeom>
+        </p:spPr>
+      </p:pic>
     </p:spTree>
     <p:extLst>
       <p:ext uri="{BB962C8B-B14F-4D97-AF65-F5344CB8AC3E}">
@@ -6831,13 +6999,13 @@
   <p:clrMapOvr>
     <a:masterClrMapping/>
   </p:clrMapOvr>
-  <mc:AlternateContent xmlns:mc="http://schemas.openxmlformats.org/markup-compatibility/2006">
-    <mc:Choice xmlns:p159="http://schemas.microsoft.com/office/powerpoint/2015/09/main" Requires="p159">
+  <mc:AlternateContent xmlns:mc="http://schemas.openxmlformats.org/markup-compatibility/2006" xmlns:p159="http://schemas.microsoft.com/office/powerpoint/2015/09/main">
+    <mc:Choice Requires="p159">
       <p:transition spd="slow">
         <p159:morph option="byObject"/>
       </p:transition>
     </mc:Choice>
-    <mc:Fallback>
+    <mc:Fallback xmlns="">
       <p:transition spd="slow">
         <p:fade/>
       </p:transition>
@@ -7364,13 +7532,13 @@
   <p:clrMapOvr>
     <a:masterClrMapping/>
   </p:clrMapOvr>
-  <mc:AlternateContent xmlns:mc="http://schemas.openxmlformats.org/markup-compatibility/2006">
-    <mc:Choice xmlns:p159="http://schemas.microsoft.com/office/powerpoint/2015/09/main" Requires="p159">
+  <mc:AlternateContent xmlns:mc="http://schemas.openxmlformats.org/markup-compatibility/2006" xmlns:p159="http://schemas.microsoft.com/office/powerpoint/2015/09/main">
+    <mc:Choice Requires="p159">
       <p:transition spd="slow">
         <p159:morph option="byObject"/>
       </p:transition>
     </mc:Choice>
-    <mc:Fallback>
+    <mc:Fallback xmlns="">
       <p:transition spd="slow">
         <p:fade/>
       </p:transition>
@@ -7873,13 +8041,13 @@
   <p:clrMapOvr>
     <a:masterClrMapping/>
   </p:clrMapOvr>
-  <mc:AlternateContent xmlns:mc="http://schemas.openxmlformats.org/markup-compatibility/2006">
-    <mc:Choice xmlns:p159="http://schemas.microsoft.com/office/powerpoint/2015/09/main" Requires="p159">
+  <mc:AlternateContent xmlns:mc="http://schemas.openxmlformats.org/markup-compatibility/2006" xmlns:p159="http://schemas.microsoft.com/office/powerpoint/2015/09/main">
+    <mc:Choice Requires="p159">
       <p:transition spd="slow">
         <p159:morph option="byObject"/>
       </p:transition>
     </mc:Choice>
-    <mc:Fallback>
+    <mc:Fallback xmlns="">
       <p:transition spd="slow">
         <p:fade/>
       </p:transition>
@@ -7921,10 +8089,10 @@
       </p:grpSpPr>
       <p:pic>
         <p:nvPicPr>
-          <p:cNvPr id="4" name="Picture 3">
-            <a:extLst>
-              <a:ext uri="{FF2B5EF4-FFF2-40B4-BE49-F238E27FC236}">
-                <a16:creationId xmlns:a16="http://schemas.microsoft.com/office/drawing/2014/main" id="{F856F31D-8957-BC62-789D-68A61991E24D}"/>
+          <p:cNvPr id="5" name="Picture 4" descr="A blue and orange logo">
+            <a:extLst>
+              <a:ext uri="{FF2B5EF4-FFF2-40B4-BE49-F238E27FC236}">
+                <a16:creationId xmlns:a16="http://schemas.microsoft.com/office/drawing/2014/main" id="{63DE348B-4E81-FED0-C8CA-E4965D2EC1F8}"/>
               </a:ext>
             </a:extLst>
           </p:cNvPr>
@@ -7934,7 +8102,42 @@
           <p:nvPr/>
         </p:nvPicPr>
         <p:blipFill>
-          <a:blip r:embed="rId2"/>
+          <a:blip r:embed="rId2">
+            <a:extLst>
+              <a:ext uri="{28A0092B-C50C-407E-A947-70E740481C1C}">
+                <a14:useLocalDpi xmlns:a14="http://schemas.microsoft.com/office/drawing/2010/main" val="0"/>
+              </a:ext>
+            </a:extLst>
+          </a:blip>
+          <a:srcRect r="40990"/>
+          <a:stretch/>
+        </p:blipFill>
+        <p:spPr>
+          <a:xfrm>
+            <a:off x="10762034" y="0"/>
+            <a:ext cx="1429966" cy="986828"/>
+          </a:xfrm>
+          <a:prstGeom prst="rect">
+            <a:avLst/>
+          </a:prstGeom>
+        </p:spPr>
+      </p:pic>
+      <p:pic>
+        <p:nvPicPr>
+          <p:cNvPr id="4" name="Picture 3">
+            <a:extLst>
+              <a:ext uri="{FF2B5EF4-FFF2-40B4-BE49-F238E27FC236}">
+                <a16:creationId xmlns:a16="http://schemas.microsoft.com/office/drawing/2014/main" id="{F856F31D-8957-BC62-789D-68A61991E24D}"/>
+              </a:ext>
+            </a:extLst>
+          </p:cNvPr>
+          <p:cNvPicPr>
+            <a:picLocks noChangeAspect="1"/>
+          </p:cNvPicPr>
+          <p:nvPr/>
+        </p:nvPicPr>
+        <p:blipFill>
+          <a:blip r:embed="rId3"/>
           <a:srcRect b="4787"/>
           <a:stretch/>
         </p:blipFill>
@@ -7968,7 +8171,7 @@
           <p:nvPr/>
         </p:nvPicPr>
         <p:blipFill>
-          <a:blip r:embed="rId3"/>
+          <a:blip r:embed="rId4"/>
           <a:stretch>
             <a:fillRect/>
           </a:stretch>
@@ -8073,41 +8276,6 @@
       </p:sp>
       <p:pic>
         <p:nvPicPr>
-          <p:cNvPr id="7" name="Picture 6" descr="A blue and orange logo">
-            <a:extLst>
-              <a:ext uri="{FF2B5EF4-FFF2-40B4-BE49-F238E27FC236}">
-                <a16:creationId xmlns:a16="http://schemas.microsoft.com/office/drawing/2014/main" id="{78106149-4A64-E4CF-97CD-B3A834BD8944}"/>
-              </a:ext>
-            </a:extLst>
-          </p:cNvPr>
-          <p:cNvPicPr>
-            <a:picLocks noChangeAspect="1"/>
-          </p:cNvPicPr>
-          <p:nvPr/>
-        </p:nvPicPr>
-        <p:blipFill>
-          <a:blip r:embed="rId4">
-            <a:extLst>
-              <a:ext uri="{28A0092B-C50C-407E-A947-70E740481C1C}">
-                <a14:useLocalDpi xmlns:a14="http://schemas.microsoft.com/office/drawing/2010/main" val="0"/>
-              </a:ext>
-            </a:extLst>
-          </a:blip>
-          <a:srcRect r="40990"/>
-          <a:stretch/>
-        </p:blipFill>
-        <p:spPr>
-          <a:xfrm>
-            <a:off x="9232015" y="5549551"/>
-            <a:ext cx="1429966" cy="986828"/>
-          </a:xfrm>
-          <a:prstGeom prst="rect">
-            <a:avLst/>
-          </a:prstGeom>
-        </p:spPr>
-      </p:pic>
-      <p:pic>
-        <p:nvPicPr>
           <p:cNvPr id="1026" name="Picture 2" descr="Logo Laravel – Logos PNG">
             <a:extLst>
               <a:ext uri="{FF2B5EF4-FFF2-40B4-BE49-F238E27FC236}">
@@ -8515,8 +8683,137 @@
         </p:nvCxnSpPr>
         <p:spPr>
           <a:xfrm>
-            <a:off x="3583257" y="3072694"/>
-            <a:ext cx="1937657" cy="0"/>
+            <a:off x="3757430" y="3072694"/>
+            <a:ext cx="1489486" cy="0"/>
+          </a:xfrm>
+          <a:prstGeom prst="line">
+            <a:avLst/>
+          </a:prstGeom>
+          <a:ln>
+            <a:solidFill>
+              <a:srgbClr val="FF0000"/>
+            </a:solidFill>
+          </a:ln>
+        </p:spPr>
+        <p:style>
+          <a:lnRef idx="2">
+            <a:schemeClr val="accent1"/>
+          </a:lnRef>
+          <a:fillRef idx="0">
+            <a:schemeClr val="accent1"/>
+          </a:fillRef>
+          <a:effectRef idx="1">
+            <a:schemeClr val="accent1"/>
+          </a:effectRef>
+          <a:fontRef idx="minor">
+            <a:schemeClr val="tx1"/>
+          </a:fontRef>
+        </p:style>
+      </p:cxnSp>
+      <p:cxnSp>
+        <p:nvCxnSpPr>
+          <p:cNvPr id="9" name="Straight Connector 8">
+            <a:extLst>
+              <a:ext uri="{FF2B5EF4-FFF2-40B4-BE49-F238E27FC236}">
+                <a16:creationId xmlns:a16="http://schemas.microsoft.com/office/drawing/2014/main" id="{D095862D-34C7-C36B-F309-56D7D9470C28}"/>
+              </a:ext>
+            </a:extLst>
+          </p:cNvPr>
+          <p:cNvCxnSpPr>
+            <a:cxnSpLocks/>
+          </p:cNvCxnSpPr>
+          <p:nvPr/>
+        </p:nvCxnSpPr>
+        <p:spPr>
+          <a:xfrm>
+            <a:off x="3757430" y="3464580"/>
+            <a:ext cx="1805170" cy="0"/>
+          </a:xfrm>
+          <a:prstGeom prst="line">
+            <a:avLst/>
+          </a:prstGeom>
+          <a:ln>
+            <a:solidFill>
+              <a:srgbClr val="FF0000"/>
+            </a:solidFill>
+          </a:ln>
+        </p:spPr>
+        <p:style>
+          <a:lnRef idx="2">
+            <a:schemeClr val="accent1"/>
+          </a:lnRef>
+          <a:fillRef idx="0">
+            <a:schemeClr val="accent1"/>
+          </a:fillRef>
+          <a:effectRef idx="1">
+            <a:schemeClr val="accent1"/>
+          </a:effectRef>
+          <a:fontRef idx="minor">
+            <a:schemeClr val="tx1"/>
+          </a:fontRef>
+        </p:style>
+      </p:cxnSp>
+      <p:cxnSp>
+        <p:nvCxnSpPr>
+          <p:cNvPr id="11" name="Straight Connector 10">
+            <a:extLst>
+              <a:ext uri="{FF2B5EF4-FFF2-40B4-BE49-F238E27FC236}">
+                <a16:creationId xmlns:a16="http://schemas.microsoft.com/office/drawing/2014/main" id="{42FBB137-5E0C-90FC-45B0-21CB0164F20F}"/>
+              </a:ext>
+            </a:extLst>
+          </p:cNvPr>
+          <p:cNvCxnSpPr>
+            <a:cxnSpLocks/>
+          </p:cNvCxnSpPr>
+          <p:nvPr/>
+        </p:nvCxnSpPr>
+        <p:spPr>
+          <a:xfrm>
+            <a:off x="3757430" y="3823808"/>
+            <a:ext cx="1707199" cy="0"/>
+          </a:xfrm>
+          <a:prstGeom prst="line">
+            <a:avLst/>
+          </a:prstGeom>
+          <a:ln>
+            <a:solidFill>
+              <a:srgbClr val="FF0000"/>
+            </a:solidFill>
+          </a:ln>
+        </p:spPr>
+        <p:style>
+          <a:lnRef idx="2">
+            <a:schemeClr val="accent1"/>
+          </a:lnRef>
+          <a:fillRef idx="0">
+            <a:schemeClr val="accent1"/>
+          </a:fillRef>
+          <a:effectRef idx="1">
+            <a:schemeClr val="accent1"/>
+          </a:effectRef>
+          <a:fontRef idx="minor">
+            <a:schemeClr val="tx1"/>
+          </a:fontRef>
+        </p:style>
+      </p:cxnSp>
+      <p:cxnSp>
+        <p:nvCxnSpPr>
+          <p:cNvPr id="13" name="Straight Connector 12">
+            <a:extLst>
+              <a:ext uri="{FF2B5EF4-FFF2-40B4-BE49-F238E27FC236}">
+                <a16:creationId xmlns:a16="http://schemas.microsoft.com/office/drawing/2014/main" id="{F175CD3D-471F-9916-8A8F-C7C64A5B456D}"/>
+              </a:ext>
+            </a:extLst>
+          </p:cNvPr>
+          <p:cNvCxnSpPr>
+            <a:cxnSpLocks/>
+          </p:cNvCxnSpPr>
+          <p:nvPr/>
+        </p:nvCxnSpPr>
+        <p:spPr>
+          <a:xfrm>
+            <a:off x="3757430" y="4172974"/>
+            <a:ext cx="1489486" cy="0"/>
           </a:xfrm>
           <a:prstGeom prst="line">
             <a:avLst/>
@@ -8552,13 +8849,13 @@
   <p:clrMapOvr>
     <a:masterClrMapping/>
   </p:clrMapOvr>
-  <mc:AlternateContent xmlns:mc="http://schemas.openxmlformats.org/markup-compatibility/2006">
-    <mc:Choice xmlns:p159="http://schemas.microsoft.com/office/powerpoint/2015/09/main" Requires="p159">
+  <mc:AlternateContent xmlns:mc="http://schemas.openxmlformats.org/markup-compatibility/2006" xmlns:p159="http://schemas.microsoft.com/office/powerpoint/2015/09/main">
+    <mc:Choice Requires="p159">
       <p:transition spd="slow">
         <p159:morph option="byObject"/>
       </p:transition>
     </mc:Choice>
-    <mc:Fallback>
+    <mc:Fallback xmlns="">
       <p:transition spd="slow">
         <p:fade/>
       </p:transition>
@@ -8722,55 +9019,20 @@
       </p:sp>
       <p:pic>
         <p:nvPicPr>
-          <p:cNvPr id="7" name="Picture 6" descr="A blue and orange logo">
-            <a:extLst>
-              <a:ext uri="{FF2B5EF4-FFF2-40B4-BE49-F238E27FC236}">
-                <a16:creationId xmlns:a16="http://schemas.microsoft.com/office/drawing/2014/main" id="{8D1AE1F4-C6DF-B8B4-AC80-2ECCBCDB5EA3}"/>
+          <p:cNvPr id="1026" name="Picture 2" descr="Logo Laravel – Logos PNG">
+            <a:extLst>
+              <a:ext uri="{FF2B5EF4-FFF2-40B4-BE49-F238E27FC236}">
+                <a16:creationId xmlns:a16="http://schemas.microsoft.com/office/drawing/2014/main" id="{E85DC888-C2FE-6134-83AE-A384DCD98E38}"/>
               </a:ext>
             </a:extLst>
           </p:cNvPr>
           <p:cNvPicPr>
-            <a:picLocks noChangeAspect="1"/>
+            <a:picLocks noChangeAspect="1" noChangeArrowheads="1"/>
           </p:cNvPicPr>
           <p:nvPr/>
         </p:nvPicPr>
         <p:blipFill>
           <a:blip r:embed="rId3">
-            <a:extLst>
-              <a:ext uri="{28A0092B-C50C-407E-A947-70E740481C1C}">
-                <a14:useLocalDpi xmlns:a14="http://schemas.microsoft.com/office/drawing/2010/main" val="0"/>
-              </a:ext>
-            </a:extLst>
-          </a:blip>
-          <a:srcRect r="40990"/>
-          <a:stretch/>
-        </p:blipFill>
-        <p:spPr>
-          <a:xfrm>
-            <a:off x="9232015" y="5549551"/>
-            <a:ext cx="1429966" cy="986828"/>
-          </a:xfrm>
-          <a:prstGeom prst="rect">
-            <a:avLst/>
-          </a:prstGeom>
-        </p:spPr>
-      </p:pic>
-      <p:pic>
-        <p:nvPicPr>
-          <p:cNvPr id="1026" name="Picture 2" descr="Logo Laravel – Logos PNG">
-            <a:extLst>
-              <a:ext uri="{FF2B5EF4-FFF2-40B4-BE49-F238E27FC236}">
-                <a16:creationId xmlns:a16="http://schemas.microsoft.com/office/drawing/2014/main" id="{E85DC888-C2FE-6134-83AE-A384DCD98E38}"/>
-              </a:ext>
-            </a:extLst>
-          </p:cNvPr>
-          <p:cNvPicPr>
-            <a:picLocks noChangeAspect="1" noChangeArrowheads="1"/>
-          </p:cNvPicPr>
-          <p:nvPr/>
-        </p:nvPicPr>
-        <p:blipFill>
-          <a:blip r:embed="rId4">
             <a:extLst>
               <a:ext uri="{28A0092B-C50C-407E-A947-70E740481C1C}">
                 <a14:useLocalDpi xmlns:a14="http://schemas.microsoft.com/office/drawing/2010/main" val="0"/>
@@ -9004,6 +9266,41 @@
           </a:p>
         </p:txBody>
       </p:sp>
+      <p:pic>
+        <p:nvPicPr>
+          <p:cNvPr id="3" name="Picture 2" descr="A blue and orange logo">
+            <a:extLst>
+              <a:ext uri="{FF2B5EF4-FFF2-40B4-BE49-F238E27FC236}">
+                <a16:creationId xmlns:a16="http://schemas.microsoft.com/office/drawing/2014/main" id="{B101A2C0-36E2-CCB5-F461-6A8D471E8F7C}"/>
+              </a:ext>
+            </a:extLst>
+          </p:cNvPr>
+          <p:cNvPicPr>
+            <a:picLocks noChangeAspect="1"/>
+          </p:cNvPicPr>
+          <p:nvPr/>
+        </p:nvPicPr>
+        <p:blipFill>
+          <a:blip r:embed="rId4">
+            <a:extLst>
+              <a:ext uri="{28A0092B-C50C-407E-A947-70E740481C1C}">
+                <a14:useLocalDpi xmlns:a14="http://schemas.microsoft.com/office/drawing/2010/main" val="0"/>
+              </a:ext>
+            </a:extLst>
+          </a:blip>
+          <a:srcRect r="40990"/>
+          <a:stretch/>
+        </p:blipFill>
+        <p:spPr>
+          <a:xfrm>
+            <a:off x="10762034" y="0"/>
+            <a:ext cx="1429966" cy="986828"/>
+          </a:xfrm>
+          <a:prstGeom prst="rect">
+            <a:avLst/>
+          </a:prstGeom>
+        </p:spPr>
+      </p:pic>
     </p:spTree>
     <p:extLst>
       <p:ext uri="{BB962C8B-B14F-4D97-AF65-F5344CB8AC3E}">
@@ -9014,13 +9311,13 @@
   <p:clrMapOvr>
     <a:masterClrMapping/>
   </p:clrMapOvr>
-  <mc:AlternateContent xmlns:mc="http://schemas.openxmlformats.org/markup-compatibility/2006">
-    <mc:Choice xmlns:p159="http://schemas.microsoft.com/office/powerpoint/2015/09/main" Requires="p159">
+  <mc:AlternateContent xmlns:mc="http://schemas.openxmlformats.org/markup-compatibility/2006" xmlns:p159="http://schemas.microsoft.com/office/powerpoint/2015/09/main">
+    <mc:Choice Requires="p159">
       <p:transition spd="slow">
         <p159:morph option="byObject"/>
       </p:transition>
     </mc:Choice>
-    <mc:Fallback>
+    <mc:Fallback xmlns="">
       <p:transition spd="slow">
         <p:fade/>
       </p:transition>
@@ -9184,55 +9481,20 @@
       </p:sp>
       <p:pic>
         <p:nvPicPr>
-          <p:cNvPr id="7" name="Picture 6" descr="A blue and orange logo">
-            <a:extLst>
-              <a:ext uri="{FF2B5EF4-FFF2-40B4-BE49-F238E27FC236}">
-                <a16:creationId xmlns:a16="http://schemas.microsoft.com/office/drawing/2014/main" id="{06B9C6C0-53AE-F2D9-2CA7-7748EBFE346F}"/>
+          <p:cNvPr id="1026" name="Picture 2" descr="Logo Laravel – Logos PNG">
+            <a:extLst>
+              <a:ext uri="{FF2B5EF4-FFF2-40B4-BE49-F238E27FC236}">
+                <a16:creationId xmlns:a16="http://schemas.microsoft.com/office/drawing/2014/main" id="{17045F81-467B-2B9B-6F45-354182BE73A3}"/>
               </a:ext>
             </a:extLst>
           </p:cNvPr>
           <p:cNvPicPr>
-            <a:picLocks noChangeAspect="1"/>
+            <a:picLocks noChangeAspect="1" noChangeArrowheads="1"/>
           </p:cNvPicPr>
           <p:nvPr/>
         </p:nvPicPr>
         <p:blipFill>
           <a:blip r:embed="rId3">
-            <a:extLst>
-              <a:ext uri="{28A0092B-C50C-407E-A947-70E740481C1C}">
-                <a14:useLocalDpi xmlns:a14="http://schemas.microsoft.com/office/drawing/2010/main" val="0"/>
-              </a:ext>
-            </a:extLst>
-          </a:blip>
-          <a:srcRect r="40990"/>
-          <a:stretch/>
-        </p:blipFill>
-        <p:spPr>
-          <a:xfrm>
-            <a:off x="9232015" y="5549551"/>
-            <a:ext cx="1429966" cy="986828"/>
-          </a:xfrm>
-          <a:prstGeom prst="rect">
-            <a:avLst/>
-          </a:prstGeom>
-        </p:spPr>
-      </p:pic>
-      <p:pic>
-        <p:nvPicPr>
-          <p:cNvPr id="1026" name="Picture 2" descr="Logo Laravel – Logos PNG">
-            <a:extLst>
-              <a:ext uri="{FF2B5EF4-FFF2-40B4-BE49-F238E27FC236}">
-                <a16:creationId xmlns:a16="http://schemas.microsoft.com/office/drawing/2014/main" id="{17045F81-467B-2B9B-6F45-354182BE73A3}"/>
-              </a:ext>
-            </a:extLst>
-          </p:cNvPr>
-          <p:cNvPicPr>
-            <a:picLocks noChangeAspect="1" noChangeArrowheads="1"/>
-          </p:cNvPicPr>
-          <p:nvPr/>
-        </p:nvPicPr>
-        <p:blipFill>
-          <a:blip r:embed="rId4">
             <a:extLst>
               <a:ext uri="{28A0092B-C50C-407E-A947-70E740481C1C}">
                 <a14:useLocalDpi xmlns:a14="http://schemas.microsoft.com/office/drawing/2010/main" val="0"/>
@@ -9487,6 +9749,41 @@
           </a:fontRef>
         </p:style>
       </p:cxnSp>
+      <p:pic>
+        <p:nvPicPr>
+          <p:cNvPr id="3" name="Picture 2" descr="A blue and orange logo">
+            <a:extLst>
+              <a:ext uri="{FF2B5EF4-FFF2-40B4-BE49-F238E27FC236}">
+                <a16:creationId xmlns:a16="http://schemas.microsoft.com/office/drawing/2014/main" id="{900693EB-FE9C-A55C-22EC-C64D69937E26}"/>
+              </a:ext>
+            </a:extLst>
+          </p:cNvPr>
+          <p:cNvPicPr>
+            <a:picLocks noChangeAspect="1"/>
+          </p:cNvPicPr>
+          <p:nvPr/>
+        </p:nvPicPr>
+        <p:blipFill>
+          <a:blip r:embed="rId4">
+            <a:extLst>
+              <a:ext uri="{28A0092B-C50C-407E-A947-70E740481C1C}">
+                <a14:useLocalDpi xmlns:a14="http://schemas.microsoft.com/office/drawing/2010/main" val="0"/>
+              </a:ext>
+            </a:extLst>
+          </a:blip>
+          <a:srcRect r="40990"/>
+          <a:stretch/>
+        </p:blipFill>
+        <p:spPr>
+          <a:xfrm>
+            <a:off x="10762034" y="0"/>
+            <a:ext cx="1429966" cy="986828"/>
+          </a:xfrm>
+          <a:prstGeom prst="rect">
+            <a:avLst/>
+          </a:prstGeom>
+        </p:spPr>
+      </p:pic>
     </p:spTree>
     <p:extLst>
       <p:ext uri="{BB962C8B-B14F-4D97-AF65-F5344CB8AC3E}">
@@ -9497,13 +9794,13 @@
   <p:clrMapOvr>
     <a:masterClrMapping/>
   </p:clrMapOvr>
-  <mc:AlternateContent xmlns:mc="http://schemas.openxmlformats.org/markup-compatibility/2006">
-    <mc:Choice xmlns:p159="http://schemas.microsoft.com/office/powerpoint/2015/09/main" Requires="p159">
+  <mc:AlternateContent xmlns:mc="http://schemas.openxmlformats.org/markup-compatibility/2006" xmlns:p159="http://schemas.microsoft.com/office/powerpoint/2015/09/main">
+    <mc:Choice Requires="p159">
       <p:transition spd="slow">
         <p159:morph option="byObject"/>
       </p:transition>
     </mc:Choice>
-    <mc:Fallback>
+    <mc:Fallback xmlns="">
       <p:transition spd="slow">
         <p:fade/>
       </p:transition>
@@ -9913,13 +10210,13 @@
   <p:clrMapOvr>
     <a:masterClrMapping/>
   </p:clrMapOvr>
-  <mc:AlternateContent xmlns:mc="http://schemas.openxmlformats.org/markup-compatibility/2006">
-    <mc:Choice xmlns:p159="http://schemas.microsoft.com/office/powerpoint/2015/09/main" Requires="p159">
+  <mc:AlternateContent xmlns:mc="http://schemas.openxmlformats.org/markup-compatibility/2006" xmlns:p159="http://schemas.microsoft.com/office/powerpoint/2015/09/main">
+    <mc:Choice Requires="p159">
       <p:transition spd="slow">
         <p159:morph option="byObject"/>
       </p:transition>
     </mc:Choice>
-    <mc:Fallback>
+    <mc:Fallback xmlns="">
       <p:transition spd="slow">
         <p:fade/>
       </p:transition>
@@ -10450,13 +10747,13 @@
   <p:clrMapOvr>
     <a:masterClrMapping/>
   </p:clrMapOvr>
-  <mc:AlternateContent xmlns:mc="http://schemas.openxmlformats.org/markup-compatibility/2006">
-    <mc:Choice xmlns:p159="http://schemas.microsoft.com/office/powerpoint/2015/09/main" Requires="p159">
+  <mc:AlternateContent xmlns:mc="http://schemas.openxmlformats.org/markup-compatibility/2006" xmlns:p159="http://schemas.microsoft.com/office/powerpoint/2015/09/main">
+    <mc:Choice Requires="p159">
       <p:transition spd="slow">
         <p159:morph option="byObject"/>
       </p:transition>
     </mc:Choice>
-    <mc:Fallback>
+    <mc:Fallback xmlns="">
       <p:transition spd="slow">
         <p:fade/>
       </p:transition>
@@ -11063,13 +11360,13 @@
   <p:clrMapOvr>
     <a:masterClrMapping/>
   </p:clrMapOvr>
-  <mc:AlternateContent xmlns:mc="http://schemas.openxmlformats.org/markup-compatibility/2006">
-    <mc:Choice xmlns:p159="http://schemas.microsoft.com/office/powerpoint/2015/09/main" Requires="p159">
+  <mc:AlternateContent xmlns:mc="http://schemas.openxmlformats.org/markup-compatibility/2006" xmlns:p159="http://schemas.microsoft.com/office/powerpoint/2015/09/main">
+    <mc:Choice Requires="p159">
       <p:transition spd="slow">
         <p159:morph option="byObject"/>
       </p:transition>
     </mc:Choice>
-    <mc:Fallback>
+    <mc:Fallback xmlns="">
       <p:transition spd="slow">
         <p:fade/>
       </p:transition>
@@ -11615,13 +11912,13 @@
   <p:clrMapOvr>
     <a:masterClrMapping/>
   </p:clrMapOvr>
-  <mc:AlternateContent xmlns:mc="http://schemas.openxmlformats.org/markup-compatibility/2006">
-    <mc:Choice xmlns:p159="http://schemas.microsoft.com/office/powerpoint/2015/09/main" Requires="p159">
+  <mc:AlternateContent xmlns:mc="http://schemas.openxmlformats.org/markup-compatibility/2006" xmlns:p159="http://schemas.microsoft.com/office/powerpoint/2015/09/main">
+    <mc:Choice Requires="p159">
       <p:transition spd="slow">
         <p159:morph option="byObject"/>
       </p:transition>
     </mc:Choice>
-    <mc:Fallback>
+    <mc:Fallback xmlns="">
       <p:transition spd="slow">
         <p:fade/>
       </p:transition>
@@ -11963,7 +12260,7 @@
         <p:spPr>
           <a:xfrm>
             <a:off x="7817005" y="3513294"/>
-            <a:ext cx="4147898" cy="1471301"/>
+            <a:ext cx="4147898" cy="986829"/>
           </a:xfrm>
           <a:prstGeom prst="roundRect">
             <a:avLst>
@@ -12171,13 +12468,13 @@
   <p:clrMapOvr>
     <a:masterClrMapping/>
   </p:clrMapOvr>
-  <mc:AlternateContent xmlns:mc="http://schemas.openxmlformats.org/markup-compatibility/2006">
-    <mc:Choice xmlns:p159="http://schemas.microsoft.com/office/powerpoint/2015/09/main" Requires="p159">
+  <mc:AlternateContent xmlns:mc="http://schemas.openxmlformats.org/markup-compatibility/2006" xmlns:p159="http://schemas.microsoft.com/office/powerpoint/2015/09/main">
+    <mc:Choice Requires="p159">
       <p:transition spd="slow">
         <p159:morph option="byObject"/>
       </p:transition>
     </mc:Choice>
-    <mc:Fallback>
+    <mc:Fallback xmlns="">
       <p:transition spd="slow">
         <p:fade/>
       </p:transition>
@@ -12679,13 +12976,13 @@
   <p:clrMapOvr>
     <a:masterClrMapping/>
   </p:clrMapOvr>
-  <mc:AlternateContent xmlns:mc="http://schemas.openxmlformats.org/markup-compatibility/2006">
-    <mc:Choice xmlns:p159="http://schemas.microsoft.com/office/powerpoint/2015/09/main" Requires="p159">
+  <mc:AlternateContent xmlns:mc="http://schemas.openxmlformats.org/markup-compatibility/2006" xmlns:p159="http://schemas.microsoft.com/office/powerpoint/2015/09/main">
+    <mc:Choice Requires="p159">
       <p:transition spd="slow">
         <p159:morph option="byObject"/>
       </p:transition>
     </mc:Choice>
-    <mc:Fallback>
+    <mc:Fallback xmlns="">
       <p:transition spd="slow">
         <p:fade/>
       </p:transition>
@@ -13092,7 +13389,7 @@
                 <a:effectLst/>
                 <a:latin typeface="Aptos" panose="020B0004020202020204" pitchFamily="34" charset="0"/>
               </a:rPr>
-              <a:t> já com o nome especificado, sua classe e funções básicas, ligas a rotas </a:t>
+              <a:t> já com o nome especificado, sua classe e funções básicas, ligadas a rotas </a:t>
             </a:r>
             <a:r>
               <a:rPr lang="pt-BR" sz="2400" b="1" dirty="0" err="1">
@@ -13241,13 +13538,13 @@
   <p:clrMapOvr>
     <a:masterClrMapping/>
   </p:clrMapOvr>
-  <mc:AlternateContent xmlns:mc="http://schemas.openxmlformats.org/markup-compatibility/2006">
-    <mc:Choice xmlns:p159="http://schemas.microsoft.com/office/powerpoint/2015/09/main" Requires="p159">
+  <mc:AlternateContent xmlns:mc="http://schemas.openxmlformats.org/markup-compatibility/2006" xmlns:p159="http://schemas.microsoft.com/office/powerpoint/2015/09/main">
+    <mc:Choice Requires="p159">
       <p:transition spd="slow">
         <p159:morph option="byObject"/>
       </p:transition>
     </mc:Choice>
-    <mc:Fallback>
+    <mc:Fallback xmlns="">
       <p:transition spd="slow">
         <p:fade/>
       </p:transition>
@@ -13908,13 +14205,13 @@
   <p:clrMapOvr>
     <a:masterClrMapping/>
   </p:clrMapOvr>
-  <mc:AlternateContent xmlns:mc="http://schemas.openxmlformats.org/markup-compatibility/2006">
-    <mc:Choice xmlns:p159="http://schemas.microsoft.com/office/powerpoint/2015/09/main" Requires="p159">
+  <mc:AlternateContent xmlns:mc="http://schemas.openxmlformats.org/markup-compatibility/2006" xmlns:p159="http://schemas.microsoft.com/office/powerpoint/2015/09/main">
+    <mc:Choice Requires="p159">
       <p:transition spd="slow">
         <p159:morph option="byObject"/>
       </p:transition>
     </mc:Choice>
-    <mc:Fallback>
+    <mc:Fallback xmlns="">
       <p:transition spd="slow">
         <p:fade/>
       </p:transition>
@@ -14192,13 +14489,13 @@
   <p:clrMapOvr>
     <a:masterClrMapping/>
   </p:clrMapOvr>
-  <mc:AlternateContent xmlns:mc="http://schemas.openxmlformats.org/markup-compatibility/2006">
-    <mc:Choice xmlns:p159="http://schemas.microsoft.com/office/powerpoint/2015/09/main" Requires="p159">
+  <mc:AlternateContent xmlns:mc="http://schemas.openxmlformats.org/markup-compatibility/2006" xmlns:p159="http://schemas.microsoft.com/office/powerpoint/2015/09/main">
+    <mc:Choice Requires="p159">
       <p:transition spd="slow">
         <p159:morph option="byObject"/>
       </p:transition>
     </mc:Choice>
-    <mc:Fallback>
+    <mc:Fallback xmlns="">
       <p:transition spd="slow">
         <p:fade/>
       </p:transition>
@@ -14700,13 +14997,13 @@
   <p:clrMapOvr>
     <a:masterClrMapping/>
   </p:clrMapOvr>
-  <mc:AlternateContent xmlns:mc="http://schemas.openxmlformats.org/markup-compatibility/2006">
-    <mc:Choice xmlns:p159="http://schemas.microsoft.com/office/powerpoint/2015/09/main" Requires="p159">
+  <mc:AlternateContent xmlns:mc="http://schemas.openxmlformats.org/markup-compatibility/2006" xmlns:p159="http://schemas.microsoft.com/office/powerpoint/2015/09/main">
+    <mc:Choice Requires="p159">
       <p:transition spd="slow">
         <p159:morph option="byObject"/>
       </p:transition>
     </mc:Choice>
-    <mc:Fallback>
+    <mc:Fallback xmlns="">
       <p:transition spd="slow">
         <p:fade/>
       </p:transition>
@@ -15207,13 +15504,13 @@
   <p:clrMapOvr>
     <a:masterClrMapping/>
   </p:clrMapOvr>
-  <mc:AlternateContent xmlns:mc="http://schemas.openxmlformats.org/markup-compatibility/2006">
-    <mc:Choice xmlns:p159="http://schemas.microsoft.com/office/powerpoint/2015/09/main" Requires="p159">
+  <mc:AlternateContent xmlns:mc="http://schemas.openxmlformats.org/markup-compatibility/2006" xmlns:p159="http://schemas.microsoft.com/office/powerpoint/2015/09/main">
+    <mc:Choice Requires="p159">
       <p:transition spd="slow">
         <p159:morph option="byObject"/>
       </p:transition>
     </mc:Choice>
-    <mc:Fallback>
+    <mc:Fallback xmlns="">
       <p:transition spd="slow">
         <p:fade/>
       </p:transition>
@@ -15731,13 +16028,13 @@
   <p:clrMapOvr>
     <a:masterClrMapping/>
   </p:clrMapOvr>
-  <mc:AlternateContent xmlns:mc="http://schemas.openxmlformats.org/markup-compatibility/2006">
-    <mc:Choice xmlns:p159="http://schemas.microsoft.com/office/powerpoint/2015/09/main" Requires="p159">
+  <mc:AlternateContent xmlns:mc="http://schemas.openxmlformats.org/markup-compatibility/2006" xmlns:p159="http://schemas.microsoft.com/office/powerpoint/2015/09/main">
+    <mc:Choice Requires="p159">
       <p:transition spd="slow">
         <p159:morph option="byObject"/>
       </p:transition>
     </mc:Choice>
-    <mc:Fallback>
+    <mc:Fallback xmlns="">
       <p:transition spd="slow">
         <p:fade/>
       </p:transition>
@@ -16276,13 +16573,13 @@
   <p:clrMapOvr>
     <a:masterClrMapping/>
   </p:clrMapOvr>
-  <mc:AlternateContent xmlns:mc="http://schemas.openxmlformats.org/markup-compatibility/2006">
-    <mc:Choice xmlns:p159="http://schemas.microsoft.com/office/powerpoint/2015/09/main" Requires="p159">
+  <mc:AlternateContent xmlns:mc="http://schemas.openxmlformats.org/markup-compatibility/2006" xmlns:p159="http://schemas.microsoft.com/office/powerpoint/2015/09/main">
+    <mc:Choice Requires="p159">
       <p:transition spd="slow">
         <p159:morph option="byObject"/>
       </p:transition>
     </mc:Choice>
-    <mc:Fallback>
+    <mc:Fallback xmlns="">
       <p:transition spd="slow">
         <p:fade/>
       </p:transition>
@@ -16634,13 +16931,13 @@
   <p:clrMapOvr>
     <a:masterClrMapping/>
   </p:clrMapOvr>
-  <mc:AlternateContent xmlns:mc="http://schemas.openxmlformats.org/markup-compatibility/2006">
-    <mc:Choice xmlns:p159="http://schemas.microsoft.com/office/powerpoint/2015/09/main" Requires="p159">
+  <mc:AlternateContent xmlns:mc="http://schemas.openxmlformats.org/markup-compatibility/2006" xmlns:p159="http://schemas.microsoft.com/office/powerpoint/2015/09/main">
+    <mc:Choice Requires="p159">
       <p:transition spd="slow">
         <p159:morph option="byObject"/>
       </p:transition>
     </mc:Choice>
-    <mc:Fallback>
+    <mc:Fallback xmlns="">
       <p:transition spd="slow">
         <p:fade/>
       </p:transition>
@@ -17133,13 +17430,13 @@
   <p:clrMapOvr>
     <a:masterClrMapping/>
   </p:clrMapOvr>
-  <mc:AlternateContent xmlns:mc="http://schemas.openxmlformats.org/markup-compatibility/2006">
-    <mc:Choice xmlns:p159="http://schemas.microsoft.com/office/powerpoint/2015/09/main" Requires="p159">
+  <mc:AlternateContent xmlns:mc="http://schemas.openxmlformats.org/markup-compatibility/2006" xmlns:p159="http://schemas.microsoft.com/office/powerpoint/2015/09/main">
+    <mc:Choice Requires="p159">
       <p:transition spd="slow">
         <p159:morph option="byObject"/>
       </p:transition>
     </mc:Choice>
-    <mc:Fallback>
+    <mc:Fallback xmlns="">
       <p:transition spd="slow">
         <p:fade/>
       </p:transition>
@@ -17710,13 +18007,13 @@
   <p:clrMapOvr>
     <a:masterClrMapping/>
   </p:clrMapOvr>
-  <mc:AlternateContent xmlns:mc="http://schemas.openxmlformats.org/markup-compatibility/2006">
-    <mc:Choice xmlns:p159="http://schemas.microsoft.com/office/powerpoint/2015/09/main" Requires="p159">
+  <mc:AlternateContent xmlns:mc="http://schemas.openxmlformats.org/markup-compatibility/2006" xmlns:p159="http://schemas.microsoft.com/office/powerpoint/2015/09/main">
+    <mc:Choice Requires="p159">
       <p:transition spd="slow">
         <p159:morph option="byObject"/>
       </p:transition>
     </mc:Choice>
-    <mc:Fallback>
+    <mc:Fallback xmlns="">
       <p:transition spd="slow">
         <p:fade/>
       </p:transition>
